--- a/docs/Flash Carma PowerPoints/Flash Carma Final Presentation.pptx
+++ b/docs/Flash Carma PowerPoints/Flash Carma Final Presentation.pptx
@@ -815,7 +815,7 @@
   <p:cSld>
     <p:spTree>
       <p:nvGrpSpPr>
-        <p:cNvPr id="184" name="Shape 184"/>
+        <p:cNvPr id="185" name="Shape 185"/>
         <p:cNvGrpSpPr/>
         <p:nvPr/>
       </p:nvGrpSpPr>
@@ -829,7 +829,7 @@
       </p:grpSpPr>
       <p:sp>
         <p:nvSpPr>
-          <p:cNvPr id="185" name="Google Shape;185;g1a427b7e69b_0_5:notes"/>
+          <p:cNvPr id="186" name="Google Shape;186;g1a427b7e69b_0_5:notes"/>
           <p:cNvSpPr/>
           <p:nvPr>
             <p:ph idx="2" type="sldImg"/>
@@ -864,7 +864,7 @@
       </p:sp>
       <p:sp>
         <p:nvSpPr>
-          <p:cNvPr id="186" name="Google Shape;186;g1a427b7e69b_0_5:notes"/>
+          <p:cNvPr id="187" name="Google Shape;187;g1a427b7e69b_0_5:notes"/>
           <p:cNvSpPr txBox="1"/>
           <p:nvPr>
             <p:ph idx="1" type="body"/>
@@ -1211,7 +1211,7 @@
   <p:cSld>
     <p:spTree>
       <p:nvGrpSpPr>
-        <p:cNvPr id="154" name="Shape 154"/>
+        <p:cNvPr id="155" name="Shape 155"/>
         <p:cNvGrpSpPr/>
         <p:nvPr/>
       </p:nvGrpSpPr>
@@ -1225,7 +1225,7 @@
       </p:grpSpPr>
       <p:sp>
         <p:nvSpPr>
-          <p:cNvPr id="155" name="Google Shape;155;g1a427b7e69b_0_10:notes"/>
+          <p:cNvPr id="156" name="Google Shape;156;g1a427b7e69b_0_10:notes"/>
           <p:cNvSpPr/>
           <p:nvPr>
             <p:ph idx="2" type="sldImg"/>
@@ -1260,7 +1260,7 @@
       </p:sp>
       <p:sp>
         <p:nvSpPr>
-          <p:cNvPr id="156" name="Google Shape;156;g1a427b7e69b_0_10:notes"/>
+          <p:cNvPr id="157" name="Google Shape;157;g1a427b7e69b_0_10:notes"/>
           <p:cNvSpPr txBox="1"/>
           <p:nvPr>
             <p:ph idx="1" type="body"/>
@@ -1310,7 +1310,7 @@
   <p:cSld>
     <p:spTree>
       <p:nvGrpSpPr>
-        <p:cNvPr id="160" name="Shape 160"/>
+        <p:cNvPr id="161" name="Shape 161"/>
         <p:cNvGrpSpPr/>
         <p:nvPr/>
       </p:nvGrpSpPr>
@@ -1324,7 +1324,7 @@
       </p:grpSpPr>
       <p:sp>
         <p:nvSpPr>
-          <p:cNvPr id="161" name="Google Shape;161;g1a427b7e69b_0_15:notes"/>
+          <p:cNvPr id="162" name="Google Shape;162;g1a427b7e69b_0_15:notes"/>
           <p:cNvSpPr/>
           <p:nvPr>
             <p:ph idx="2" type="sldImg"/>
@@ -1359,7 +1359,7 @@
       </p:sp>
       <p:sp>
         <p:nvSpPr>
-          <p:cNvPr id="162" name="Google Shape;162;g1a427b7e69b_0_15:notes"/>
+          <p:cNvPr id="163" name="Google Shape;163;g1a427b7e69b_0_15:notes"/>
           <p:cNvSpPr txBox="1"/>
           <p:nvPr>
             <p:ph idx="1" type="body"/>
@@ -1409,7 +1409,7 @@
   <p:cSld>
     <p:spTree>
       <p:nvGrpSpPr>
-        <p:cNvPr id="166" name="Shape 166"/>
+        <p:cNvPr id="167" name="Shape 167"/>
         <p:cNvGrpSpPr/>
         <p:nvPr/>
       </p:nvGrpSpPr>
@@ -1423,7 +1423,7 @@
       </p:grpSpPr>
       <p:sp>
         <p:nvSpPr>
-          <p:cNvPr id="167" name="Google Shape;167;g1a427b7e69b_0_20:notes"/>
+          <p:cNvPr id="168" name="Google Shape;168;g1a427b7e69b_0_20:notes"/>
           <p:cNvSpPr/>
           <p:nvPr>
             <p:ph idx="2" type="sldImg"/>
@@ -1458,7 +1458,7 @@
       </p:sp>
       <p:sp>
         <p:nvSpPr>
-          <p:cNvPr id="168" name="Google Shape;168;g1a427b7e69b_0_20:notes"/>
+          <p:cNvPr id="169" name="Google Shape;169;g1a427b7e69b_0_20:notes"/>
           <p:cNvSpPr txBox="1"/>
           <p:nvPr>
             <p:ph idx="1" type="body"/>
@@ -1508,7 +1508,7 @@
   <p:cSld>
     <p:spTree>
       <p:nvGrpSpPr>
-        <p:cNvPr id="172" name="Shape 172"/>
+        <p:cNvPr id="173" name="Shape 173"/>
         <p:cNvGrpSpPr/>
         <p:nvPr/>
       </p:nvGrpSpPr>
@@ -1522,7 +1522,7 @@
       </p:grpSpPr>
       <p:sp>
         <p:nvSpPr>
-          <p:cNvPr id="173" name="Google Shape;173;g1a427b7e69b_0_25:notes"/>
+          <p:cNvPr id="174" name="Google Shape;174;g1a427b7e69b_0_25:notes"/>
           <p:cNvSpPr/>
           <p:nvPr>
             <p:ph idx="2" type="sldImg"/>
@@ -1557,7 +1557,7 @@
       </p:sp>
       <p:sp>
         <p:nvSpPr>
-          <p:cNvPr id="174" name="Google Shape;174;g1a427b7e69b_0_25:notes"/>
+          <p:cNvPr id="175" name="Google Shape;175;g1a427b7e69b_0_25:notes"/>
           <p:cNvSpPr txBox="1"/>
           <p:nvPr>
             <p:ph idx="1" type="body"/>
@@ -1607,7 +1607,7 @@
   <p:cSld>
     <p:spTree>
       <p:nvGrpSpPr>
-        <p:cNvPr id="178" name="Shape 178"/>
+        <p:cNvPr id="179" name="Shape 179"/>
         <p:cNvGrpSpPr/>
         <p:nvPr/>
       </p:nvGrpSpPr>
@@ -1621,7 +1621,7 @@
       </p:grpSpPr>
       <p:sp>
         <p:nvSpPr>
-          <p:cNvPr id="179" name="Google Shape;179;g15dda41fe94_0_614:notes"/>
+          <p:cNvPr id="180" name="Google Shape;180;g15dda41fe94_0_614:notes"/>
           <p:cNvSpPr/>
           <p:nvPr>
             <p:ph idx="2" type="sldImg"/>
@@ -1656,7 +1656,7 @@
       </p:sp>
       <p:sp>
         <p:nvSpPr>
-          <p:cNvPr id="180" name="Google Shape;180;g15dda41fe94_0_614:notes"/>
+          <p:cNvPr id="181" name="Google Shape;181;g15dda41fe94_0_614:notes"/>
           <p:cNvSpPr txBox="1"/>
           <p:nvPr>
             <p:ph idx="1" type="body"/>
@@ -9994,7 +9994,7 @@
   <p:cSld>
     <p:spTree>
       <p:nvGrpSpPr>
-        <p:cNvPr id="187" name="Shape 187"/>
+        <p:cNvPr id="188" name="Shape 188"/>
         <p:cNvGrpSpPr/>
         <p:nvPr/>
       </p:nvGrpSpPr>
@@ -10008,7 +10008,7 @@
       </p:grpSpPr>
       <p:sp>
         <p:nvSpPr>
-          <p:cNvPr id="188" name="Google Shape;188;p22"/>
+          <p:cNvPr id="189" name="Google Shape;189;p22"/>
           <p:cNvSpPr txBox="1"/>
           <p:nvPr>
             <p:ph type="title"/>
@@ -10048,7 +10048,7 @@
       </p:sp>
       <p:sp>
         <p:nvSpPr>
-          <p:cNvPr id="189" name="Google Shape;189;p22"/>
+          <p:cNvPr id="190" name="Google Shape;190;p22"/>
           <p:cNvSpPr txBox="1"/>
           <p:nvPr>
             <p:ph idx="1" type="body"/>
@@ -10662,6 +10662,33 @@
           </a:p>
         </p:txBody>
       </p:sp>
+      <p:pic>
+        <p:nvPicPr>
+          <p:cNvPr id="154" name="Google Shape;154;p16"/>
+          <p:cNvPicPr preferRelativeResize="0"/>
+          <p:nvPr/>
+        </p:nvPicPr>
+        <p:blipFill rotWithShape="1">
+          <a:blip r:embed="rId3">
+            <a:alphaModFix/>
+          </a:blip>
+          <a:srcRect b="9292" l="23350" r="27083" t="5926"/>
+          <a:stretch/>
+        </p:blipFill>
+        <p:spPr>
+          <a:xfrm>
+            <a:off x="5626300" y="1491350"/>
+            <a:ext cx="2687702" cy="2585874"/>
+          </a:xfrm>
+          <a:prstGeom prst="rect">
+            <a:avLst/>
+          </a:prstGeom>
+          <a:noFill/>
+          <a:ln>
+            <a:noFill/>
+          </a:ln>
+        </p:spPr>
+      </p:pic>
     </p:spTree>
   </p:cSld>
   <p:clrMapOvr>
@@ -10675,7 +10702,7 @@
   <p:cSld>
     <p:spTree>
       <p:nvGrpSpPr>
-        <p:cNvPr id="157" name="Shape 157"/>
+        <p:cNvPr id="158" name="Shape 158"/>
         <p:cNvGrpSpPr/>
         <p:nvPr/>
       </p:nvGrpSpPr>
@@ -10689,7 +10716,7 @@
       </p:grpSpPr>
       <p:sp>
         <p:nvSpPr>
-          <p:cNvPr id="158" name="Google Shape;158;p17"/>
+          <p:cNvPr id="159" name="Google Shape;159;p17"/>
           <p:cNvSpPr txBox="1"/>
           <p:nvPr>
             <p:ph type="title"/>
@@ -10729,7 +10756,7 @@
       </p:sp>
       <p:pic>
         <p:nvPicPr>
-          <p:cNvPr id="159" name="Google Shape;159;p17"/>
+          <p:cNvPr id="160" name="Google Shape;160;p17"/>
           <p:cNvPicPr preferRelativeResize="0"/>
           <p:nvPr/>
         </p:nvPicPr>
@@ -10768,7 +10795,7 @@
   <p:cSld>
     <p:spTree>
       <p:nvGrpSpPr>
-        <p:cNvPr id="163" name="Shape 163"/>
+        <p:cNvPr id="164" name="Shape 164"/>
         <p:cNvGrpSpPr/>
         <p:nvPr/>
       </p:nvGrpSpPr>
@@ -10782,7 +10809,7 @@
       </p:grpSpPr>
       <p:sp>
         <p:nvSpPr>
-          <p:cNvPr id="164" name="Google Shape;164;p18"/>
+          <p:cNvPr id="165" name="Google Shape;165;p18"/>
           <p:cNvSpPr txBox="1"/>
           <p:nvPr>
             <p:ph type="title"/>
@@ -10822,7 +10849,7 @@
       </p:sp>
       <p:pic>
         <p:nvPicPr>
-          <p:cNvPr id="165" name="Google Shape;165;p18"/>
+          <p:cNvPr id="166" name="Google Shape;166;p18"/>
           <p:cNvPicPr preferRelativeResize="0"/>
           <p:nvPr/>
         </p:nvPicPr>
@@ -10861,7 +10888,7 @@
   <p:cSld>
     <p:spTree>
       <p:nvGrpSpPr>
-        <p:cNvPr id="169" name="Shape 169"/>
+        <p:cNvPr id="170" name="Shape 170"/>
         <p:cNvGrpSpPr/>
         <p:nvPr/>
       </p:nvGrpSpPr>
@@ -10875,7 +10902,7 @@
       </p:grpSpPr>
       <p:sp>
         <p:nvSpPr>
-          <p:cNvPr id="170" name="Google Shape;170;p19"/>
+          <p:cNvPr id="171" name="Google Shape;171;p19"/>
           <p:cNvSpPr txBox="1"/>
           <p:nvPr>
             <p:ph type="title"/>
@@ -10919,7 +10946,7 @@
       </p:sp>
       <p:sp>
         <p:nvSpPr>
-          <p:cNvPr id="171" name="Google Shape;171;p19"/>
+          <p:cNvPr id="172" name="Google Shape;172;p19"/>
           <p:cNvSpPr txBox="1"/>
           <p:nvPr>
             <p:ph idx="1" type="body"/>
@@ -11034,7 +11061,7 @@
   <p:cSld>
     <p:spTree>
       <p:nvGrpSpPr>
-        <p:cNvPr id="175" name="Shape 175"/>
+        <p:cNvPr id="176" name="Shape 176"/>
         <p:cNvGrpSpPr/>
         <p:nvPr/>
       </p:nvGrpSpPr>
@@ -11048,7 +11075,7 @@
       </p:grpSpPr>
       <p:sp>
         <p:nvSpPr>
-          <p:cNvPr id="176" name="Google Shape;176;p20"/>
+          <p:cNvPr id="177" name="Google Shape;177;p20"/>
           <p:cNvSpPr txBox="1"/>
           <p:nvPr>
             <p:ph type="title"/>
@@ -11088,7 +11115,7 @@
       </p:sp>
       <p:sp>
         <p:nvSpPr>
-          <p:cNvPr id="177" name="Google Shape;177;p20"/>
+          <p:cNvPr id="178" name="Google Shape;178;p20"/>
           <p:cNvSpPr txBox="1"/>
           <p:nvPr>
             <p:ph idx="1" type="body"/>
@@ -11223,7 +11250,7 @@
   <p:cSld>
     <p:spTree>
       <p:nvGrpSpPr>
-        <p:cNvPr id="181" name="Shape 181"/>
+        <p:cNvPr id="182" name="Shape 182"/>
         <p:cNvGrpSpPr/>
         <p:nvPr/>
       </p:nvGrpSpPr>
@@ -11237,7 +11264,7 @@
       </p:grpSpPr>
       <p:sp>
         <p:nvSpPr>
-          <p:cNvPr id="182" name="Google Shape;182;p21"/>
+          <p:cNvPr id="183" name="Google Shape;183;p21"/>
           <p:cNvSpPr txBox="1"/>
           <p:nvPr>
             <p:ph type="title"/>
@@ -11277,7 +11304,7 @@
       </p:sp>
       <p:sp>
         <p:nvSpPr>
-          <p:cNvPr id="183" name="Google Shape;183;p21"/>
+          <p:cNvPr id="184" name="Google Shape;184;p21"/>
           <p:cNvSpPr txBox="1"/>
           <p:nvPr>
             <p:ph idx="1" type="body"/>
